--- a/materials/slides/ch14-vim-and-linux-c-programming.pptx
+++ b/materials/slides/ch14-vim-and-linux-c-programming.pptx
@@ -275,7 +275,7 @@
           <a:p>
             <a:fld id="{02E60DA2-A0BC-48C9-AA88-75C78721B420}" type="datetimeFigureOut">
               <a:rPr lang="zh-CN" altLang="en-US" smtClean="0"/>
-              <a:t>2018/3/3</a:t>
+              <a:t>2018/5/16</a:t>
             </a:fld>
             <a:endParaRPr lang="zh-CN" altLang="en-US"/>
           </a:p>
@@ -497,7 +497,7 @@
           <a:p>
             <a:fld id="{02E60DA2-A0BC-48C9-AA88-75C78721B420}" type="datetimeFigureOut">
               <a:rPr lang="zh-CN" altLang="en-US" smtClean="0"/>
-              <a:t>2018/3/3</a:t>
+              <a:t>2018/5/16</a:t>
             </a:fld>
             <a:endParaRPr lang="zh-CN" altLang="en-US"/>
           </a:p>
@@ -729,7 +729,7 @@
           <a:p>
             <a:fld id="{02E60DA2-A0BC-48C9-AA88-75C78721B420}" type="datetimeFigureOut">
               <a:rPr lang="zh-CN" altLang="en-US" smtClean="0"/>
-              <a:t>2018/3/3</a:t>
+              <a:t>2018/5/16</a:t>
             </a:fld>
             <a:endParaRPr lang="zh-CN" altLang="en-US"/>
           </a:p>
@@ -979,7 +979,7 @@
           <a:p>
             <a:fld id="{02E60DA2-A0BC-48C9-AA88-75C78721B420}" type="datetimeFigureOut">
               <a:rPr lang="zh-CN" altLang="en-US" smtClean="0"/>
-              <a:t>2018/3/3</a:t>
+              <a:t>2018/5/16</a:t>
             </a:fld>
             <a:endParaRPr lang="zh-CN" altLang="en-US"/>
           </a:p>
@@ -1217,7 +1217,7 @@
           <a:p>
             <a:fld id="{02E60DA2-A0BC-48C9-AA88-75C78721B420}" type="datetimeFigureOut">
               <a:rPr lang="zh-CN" altLang="en-US" smtClean="0"/>
-              <a:t>2018/3/3</a:t>
+              <a:t>2018/5/16</a:t>
             </a:fld>
             <a:endParaRPr lang="zh-CN" altLang="en-US"/>
           </a:p>
@@ -1522,7 +1522,7 @@
           <a:p>
             <a:fld id="{02E60DA2-A0BC-48C9-AA88-75C78721B420}" type="datetimeFigureOut">
               <a:rPr lang="zh-CN" altLang="en-US" smtClean="0"/>
-              <a:t>2018/3/3</a:t>
+              <a:t>2018/5/16</a:t>
             </a:fld>
             <a:endParaRPr lang="zh-CN" altLang="en-US"/>
           </a:p>
@@ -1825,7 +1825,7 @@
           <a:p>
             <a:fld id="{02E60DA2-A0BC-48C9-AA88-75C78721B420}" type="datetimeFigureOut">
               <a:rPr lang="zh-CN" altLang="en-US" smtClean="0"/>
-              <a:t>2018/3/3</a:t>
+              <a:t>2018/5/16</a:t>
             </a:fld>
             <a:endParaRPr lang="zh-CN" altLang="en-US"/>
           </a:p>
@@ -2276,7 +2276,7 @@
           <a:p>
             <a:fld id="{02E60DA2-A0BC-48C9-AA88-75C78721B420}" type="datetimeFigureOut">
               <a:rPr lang="zh-CN" altLang="en-US" smtClean="0"/>
-              <a:t>2018/3/3</a:t>
+              <a:t>2018/5/16</a:t>
             </a:fld>
             <a:endParaRPr lang="zh-CN" altLang="en-US"/>
           </a:p>
@@ -2449,7 +2449,7 @@
           <a:p>
             <a:fld id="{02E60DA2-A0BC-48C9-AA88-75C78721B420}" type="datetimeFigureOut">
               <a:rPr lang="zh-CN" altLang="en-US" smtClean="0"/>
-              <a:t>2018/3/3</a:t>
+              <a:t>2018/5/16</a:t>
             </a:fld>
             <a:endParaRPr lang="zh-CN" altLang="en-US"/>
           </a:p>
@@ -2586,7 +2586,7 @@
           <a:p>
             <a:fld id="{02E60DA2-A0BC-48C9-AA88-75C78721B420}" type="datetimeFigureOut">
               <a:rPr lang="zh-CN" altLang="en-US" smtClean="0"/>
-              <a:t>2018/3/3</a:t>
+              <a:t>2018/5/16</a:t>
             </a:fld>
             <a:endParaRPr lang="zh-CN" altLang="en-US"/>
           </a:p>
@@ -2930,7 +2930,7 @@
           <a:p>
             <a:fld id="{02E60DA2-A0BC-48C9-AA88-75C78721B420}" type="datetimeFigureOut">
               <a:rPr lang="zh-CN" altLang="en-US" smtClean="0"/>
-              <a:t>2018/3/3</a:t>
+              <a:t>2018/5/16</a:t>
             </a:fld>
             <a:endParaRPr lang="zh-CN" altLang="en-US"/>
           </a:p>
@@ -3152,7 +3152,7 @@
           <a:p>
             <a:fld id="{02E60DA2-A0BC-48C9-AA88-75C78721B420}" type="datetimeFigureOut">
               <a:rPr lang="zh-CN" altLang="en-US" smtClean="0"/>
-              <a:t>2018/3/3</a:t>
+              <a:t>2018/5/16</a:t>
             </a:fld>
             <a:endParaRPr lang="zh-CN" altLang="en-US"/>
           </a:p>
@@ -3473,7 +3473,7 @@
           <a:p>
             <a:fld id="{02E60DA2-A0BC-48C9-AA88-75C78721B420}" type="datetimeFigureOut">
               <a:rPr lang="zh-CN" altLang="en-US" smtClean="0"/>
-              <a:t>2018/3/3</a:t>
+              <a:t>2018/5/16</a:t>
             </a:fld>
             <a:endParaRPr lang="zh-CN" altLang="en-US"/>
           </a:p>
@@ -3711,7 +3711,7 @@
           <a:p>
             <a:fld id="{02E60DA2-A0BC-48C9-AA88-75C78721B420}" type="datetimeFigureOut">
               <a:rPr lang="zh-CN" altLang="en-US" smtClean="0"/>
-              <a:t>2018/3/3</a:t>
+              <a:t>2018/5/16</a:t>
             </a:fld>
             <a:endParaRPr lang="zh-CN" altLang="en-US"/>
           </a:p>
@@ -3949,7 +3949,7 @@
           <a:p>
             <a:fld id="{02E60DA2-A0BC-48C9-AA88-75C78721B420}" type="datetimeFigureOut">
               <a:rPr lang="zh-CN" altLang="en-US" smtClean="0"/>
-              <a:t>2018/3/3</a:t>
+              <a:t>2018/5/16</a:t>
             </a:fld>
             <a:endParaRPr lang="zh-CN" altLang="en-US"/>
           </a:p>
@@ -4248,7 +4248,7 @@
           <a:p>
             <a:fld id="{02E60DA2-A0BC-48C9-AA88-75C78721B420}" type="datetimeFigureOut">
               <a:rPr lang="zh-CN" altLang="en-US" smtClean="0"/>
-              <a:t>2018/3/3</a:t>
+              <a:t>2018/5/16</a:t>
             </a:fld>
             <a:endParaRPr lang="zh-CN" altLang="en-US"/>
           </a:p>
@@ -4537,7 +4537,7 @@
           <a:p>
             <a:fld id="{02E60DA2-A0BC-48C9-AA88-75C78721B420}" type="datetimeFigureOut">
               <a:rPr lang="zh-CN" altLang="en-US" smtClean="0"/>
-              <a:t>2018/3/3</a:t>
+              <a:t>2018/5/16</a:t>
             </a:fld>
             <a:endParaRPr lang="zh-CN" altLang="en-US"/>
           </a:p>
@@ -4973,7 +4973,7 @@
           <a:p>
             <a:fld id="{02E60DA2-A0BC-48C9-AA88-75C78721B420}" type="datetimeFigureOut">
               <a:rPr lang="zh-CN" altLang="en-US" smtClean="0"/>
-              <a:t>2018/3/3</a:t>
+              <a:t>2018/5/16</a:t>
             </a:fld>
             <a:endParaRPr lang="zh-CN" altLang="en-US"/>
           </a:p>
@@ -5138,7 +5138,7 @@
           <a:p>
             <a:fld id="{02E60DA2-A0BC-48C9-AA88-75C78721B420}" type="datetimeFigureOut">
               <a:rPr lang="zh-CN" altLang="en-US" smtClean="0"/>
-              <a:t>2018/3/3</a:t>
+              <a:t>2018/5/16</a:t>
             </a:fld>
             <a:endParaRPr lang="zh-CN" altLang="en-US"/>
           </a:p>
@@ -5275,7 +5275,7 @@
           <a:p>
             <a:fld id="{02E60DA2-A0BC-48C9-AA88-75C78721B420}" type="datetimeFigureOut">
               <a:rPr lang="zh-CN" altLang="en-US" smtClean="0"/>
-              <a:t>2018/3/3</a:t>
+              <a:t>2018/5/16</a:t>
             </a:fld>
             <a:endParaRPr lang="zh-CN" altLang="en-US"/>
           </a:p>
@@ -5610,7 +5610,7 @@
           <a:p>
             <a:fld id="{02E60DA2-A0BC-48C9-AA88-75C78721B420}" type="datetimeFigureOut">
               <a:rPr lang="zh-CN" altLang="en-US" smtClean="0"/>
-              <a:t>2018/3/3</a:t>
+              <a:t>2018/5/16</a:t>
             </a:fld>
             <a:endParaRPr lang="zh-CN" altLang="en-US"/>
           </a:p>
@@ -5922,7 +5922,7 @@
           <a:p>
             <a:fld id="{02E60DA2-A0BC-48C9-AA88-75C78721B420}" type="datetimeFigureOut">
               <a:rPr lang="zh-CN" altLang="en-US" smtClean="0"/>
-              <a:t>2018/3/3</a:t>
+              <a:t>2018/5/16</a:t>
             </a:fld>
             <a:endParaRPr lang="zh-CN" altLang="en-US"/>
           </a:p>
@@ -7220,180 +7220,180 @@
           <a:lstStyle/>
           <a:p>
             <a:r>
-              <a:rPr lang="zh-CN" altLang="en-US" sz="2000" dirty="0"/>
+              <a:rPr lang="zh-CN" altLang="en-US" sz="2400" dirty="0"/>
               <a:t>安装</a:t>
             </a:r>
             <a:r>
-              <a:rPr lang="en-US" altLang="zh-CN" sz="2000" dirty="0"/>
+              <a:rPr lang="en-US" altLang="zh-CN" sz="2400" dirty="0"/>
               <a:t>vim</a:t>
             </a:r>
             <a:r>
-              <a:rPr lang="zh-CN" altLang="en-US" sz="2000" dirty="0"/>
+              <a:rPr lang="zh-CN" altLang="en-US" sz="2400" dirty="0"/>
               <a:t>后，配置文件：</a:t>
             </a:r>
             <a:r>
-              <a:rPr lang="en-US" altLang="zh-CN" sz="2000" dirty="0"/>
+              <a:rPr lang="en-US" altLang="zh-CN" sz="2400" dirty="0"/>
               <a:t>/</a:t>
             </a:r>
             <a:r>
-              <a:rPr lang="en-US" altLang="zh-CN" sz="2000" dirty="0" err="1"/>
+              <a:rPr lang="en-US" altLang="zh-CN" sz="2400" dirty="0" err="1"/>
               <a:t>etc</a:t>
             </a:r>
             <a:r>
-              <a:rPr lang="en-US" altLang="zh-CN" sz="2000" dirty="0"/>
+              <a:rPr lang="en-US" altLang="zh-CN" sz="2400" dirty="0"/>
               <a:t>/vim/</a:t>
             </a:r>
             <a:r>
-              <a:rPr lang="en-US" altLang="zh-CN" sz="2000" dirty="0" err="1"/>
+              <a:rPr lang="en-US" altLang="zh-CN" sz="2400" dirty="0" err="1"/>
               <a:t>vimrc</a:t>
             </a:r>
             <a:r>
-              <a:rPr lang="zh-CN" altLang="en-US" sz="2000" dirty="0"/>
+              <a:rPr lang="zh-CN" altLang="en-US" sz="2400" dirty="0"/>
               <a:t>，</a:t>
             </a:r>
             <a:r>
-              <a:rPr lang="en-US" altLang="zh-CN" sz="2000" dirty="0"/>
+              <a:rPr lang="en-US" altLang="zh-CN" sz="2400" dirty="0"/>
               <a:t> vim</a:t>
             </a:r>
             <a:r>
-              <a:rPr lang="zh-CN" altLang="en-US" sz="2000" dirty="0"/>
+              <a:rPr lang="zh-CN" altLang="en-US" sz="2400" dirty="0"/>
               <a:t>启动时会读取此文件。除此之外，在用户主目录下如果存在</a:t>
             </a:r>
             <a:r>
-              <a:rPr lang="en-US" altLang="zh-CN" sz="2000" dirty="0"/>
+              <a:rPr lang="en-US" altLang="zh-CN" sz="2400" dirty="0"/>
               <a:t>.</a:t>
             </a:r>
             <a:r>
-              <a:rPr lang="en-US" altLang="zh-CN" sz="2000" dirty="0" err="1"/>
+              <a:rPr lang="en-US" altLang="zh-CN" sz="2400" dirty="0" err="1"/>
               <a:t>vimrc</a:t>
             </a:r>
             <a:r>
-              <a:rPr lang="zh-CN" altLang="en-US" sz="2000" dirty="0"/>
+              <a:rPr lang="zh-CN" altLang="en-US" sz="2400" dirty="0"/>
               <a:t>，也会读取此文件，如果存在相同的配置，则</a:t>
             </a:r>
             <a:r>
-              <a:rPr lang="en-US" altLang="zh-CN" sz="2000" dirty="0"/>
+              <a:rPr lang="en-US" altLang="zh-CN" sz="2400" dirty="0"/>
               <a:t>.</a:t>
             </a:r>
             <a:r>
-              <a:rPr lang="en-US" altLang="zh-CN" sz="2000" dirty="0" err="1"/>
+              <a:rPr lang="en-US" altLang="zh-CN" sz="2400" dirty="0" err="1"/>
               <a:t>vimrc</a:t>
             </a:r>
             <a:r>
-              <a:rPr lang="zh-CN" altLang="en-US" sz="2000" dirty="0"/>
+              <a:rPr lang="zh-CN" altLang="en-US" sz="2400" dirty="0"/>
               <a:t>文件配置会覆盖</a:t>
             </a:r>
             <a:r>
-              <a:rPr lang="en-US" altLang="zh-CN" sz="2000" dirty="0"/>
+              <a:rPr lang="en-US" altLang="zh-CN" sz="2400" dirty="0"/>
               <a:t>/</a:t>
             </a:r>
             <a:r>
-              <a:rPr lang="en-US" altLang="zh-CN" sz="2000" dirty="0" err="1"/>
+              <a:rPr lang="en-US" altLang="zh-CN" sz="2400" dirty="0" err="1"/>
               <a:t>etc</a:t>
             </a:r>
             <a:r>
-              <a:rPr lang="en-US" altLang="zh-CN" sz="2000" dirty="0"/>
+              <a:rPr lang="en-US" altLang="zh-CN" sz="2400" dirty="0"/>
               <a:t>/vim/</a:t>
             </a:r>
             <a:r>
-              <a:rPr lang="en-US" altLang="zh-CN" sz="2000" dirty="0" err="1"/>
+              <a:rPr lang="en-US" altLang="zh-CN" sz="2400" dirty="0" err="1"/>
               <a:t>vimrc</a:t>
             </a:r>
             <a:r>
-              <a:rPr lang="zh-CN" altLang="en-US" sz="2000" dirty="0"/>
+              <a:rPr lang="zh-CN" altLang="en-US" sz="2400" dirty="0"/>
               <a:t>的配置。</a:t>
             </a:r>
-            <a:endParaRPr lang="en-US" altLang="zh-CN" sz="2000" dirty="0"/>
-          </a:p>
-          <a:p>
-            <a:endParaRPr lang="en-US" altLang="zh-CN" sz="2000" dirty="0"/>
-          </a:p>
-          <a:p>
-            <a:r>
-              <a:rPr lang="en-US" altLang="zh-CN" sz="2000" dirty="0"/>
+            <a:endParaRPr lang="en-US" altLang="zh-CN" sz="2400" dirty="0"/>
+          </a:p>
+          <a:p>
+            <a:endParaRPr lang="en-US" altLang="zh-CN" sz="2400" dirty="0"/>
+          </a:p>
+          <a:p>
+            <a:r>
+              <a:rPr lang="en-US" altLang="zh-CN" sz="2400" dirty="0"/>
               <a:t>/</a:t>
             </a:r>
             <a:r>
-              <a:rPr lang="en-US" altLang="zh-CN" sz="2000" dirty="0" err="1"/>
+              <a:rPr lang="en-US" altLang="zh-CN" sz="2400" dirty="0" err="1"/>
               <a:t>usr</a:t>
             </a:r>
             <a:r>
-              <a:rPr lang="en-US" altLang="zh-CN" sz="2000" dirty="0"/>
+              <a:rPr lang="en-US" altLang="zh-CN" sz="2400" dirty="0"/>
               <a:t>/share/vim/vim74/colors</a:t>
             </a:r>
             <a:r>
-              <a:rPr lang="zh-CN" altLang="en-US" sz="2000" dirty="0"/>
+              <a:rPr lang="zh-CN" altLang="en-US" sz="2400" dirty="0"/>
               <a:t>是</a:t>
             </a:r>
             <a:r>
-              <a:rPr lang="en-US" altLang="zh-CN" sz="2000" dirty="0"/>
+              <a:rPr lang="en-US" altLang="zh-CN" sz="2400" dirty="0"/>
               <a:t>vim</a:t>
             </a:r>
             <a:r>
-              <a:rPr lang="zh-CN" altLang="en-US" sz="2000" dirty="0"/>
+              <a:rPr lang="zh-CN" altLang="en-US" sz="2400" dirty="0"/>
               <a:t>的配色主题文件所在目录，在用户主目录下的</a:t>
             </a:r>
             <a:r>
-              <a:rPr lang="en-US" altLang="zh-CN" sz="2000" dirty="0"/>
+              <a:rPr lang="en-US" altLang="zh-CN" sz="2400" dirty="0"/>
               <a:t>.vim/colors</a:t>
             </a:r>
             <a:r>
-              <a:rPr lang="zh-CN" altLang="en-US" sz="2000" dirty="0"/>
+              <a:rPr lang="zh-CN" altLang="en-US" sz="2400" dirty="0"/>
               <a:t>也可以保存主题文件，此目录通常需要自己创建。</a:t>
             </a:r>
-            <a:endParaRPr lang="en-US" altLang="zh-CN" sz="2000" dirty="0"/>
-          </a:p>
-          <a:p>
-            <a:endParaRPr lang="en-US" altLang="zh-CN" sz="2000" dirty="0"/>
-          </a:p>
-          <a:p>
-            <a:r>
-              <a:rPr lang="zh-CN" altLang="en-US" sz="2000" dirty="0"/>
+            <a:endParaRPr lang="en-US" altLang="zh-CN" sz="2400" dirty="0"/>
+          </a:p>
+          <a:p>
+            <a:endParaRPr lang="en-US" altLang="zh-CN" sz="2400" dirty="0"/>
+          </a:p>
+          <a:p>
+            <a:r>
+              <a:rPr lang="zh-CN" altLang="en-US" sz="2400" dirty="0"/>
               <a:t>通用的配置可以写在</a:t>
             </a:r>
             <a:r>
-              <a:rPr lang="en-US" altLang="zh-CN" sz="2000" dirty="0"/>
+              <a:rPr lang="en-US" altLang="zh-CN" sz="2400" dirty="0"/>
               <a:t>/</a:t>
             </a:r>
             <a:r>
-              <a:rPr lang="en-US" altLang="zh-CN" sz="2000" dirty="0" err="1"/>
+              <a:rPr lang="en-US" altLang="zh-CN" sz="2400" dirty="0" err="1"/>
               <a:t>etc</a:t>
             </a:r>
             <a:r>
-              <a:rPr lang="en-US" altLang="zh-CN" sz="2000" dirty="0"/>
+              <a:rPr lang="en-US" altLang="zh-CN" sz="2400" dirty="0"/>
               <a:t>/vim/</a:t>
             </a:r>
             <a:r>
-              <a:rPr lang="en-US" altLang="zh-CN" sz="2000" dirty="0" err="1"/>
+              <a:rPr lang="en-US" altLang="zh-CN" sz="2400" dirty="0" err="1"/>
               <a:t>vimrc</a:t>
             </a:r>
             <a:r>
-              <a:rPr lang="zh-CN" altLang="en-US" sz="2000" dirty="0"/>
+              <a:rPr lang="zh-CN" altLang="en-US" sz="2400" dirty="0"/>
               <a:t>，个性化设置可以放在</a:t>
             </a:r>
             <a:r>
-              <a:rPr lang="en-US" altLang="zh-CN" sz="2000" dirty="0"/>
+              <a:rPr lang="en-US" altLang="zh-CN" sz="2400" dirty="0"/>
               <a:t>~/.</a:t>
             </a:r>
             <a:r>
-              <a:rPr lang="en-US" altLang="zh-CN" sz="2000" dirty="0" err="1"/>
+              <a:rPr lang="en-US" altLang="zh-CN" sz="2400" dirty="0" err="1"/>
               <a:t>vimrc</a:t>
             </a:r>
-            <a:endParaRPr lang="en-US" altLang="zh-CN" sz="2000" dirty="0"/>
-          </a:p>
-          <a:p>
-            <a:endParaRPr lang="en-US" altLang="zh-CN" sz="2000" dirty="0"/>
-          </a:p>
-          <a:p>
-            <a:r>
-              <a:rPr lang="en-US" altLang="zh-CN" sz="2000" dirty="0"/>
+            <a:endParaRPr lang="en-US" altLang="zh-CN" sz="2400" dirty="0"/>
+          </a:p>
+          <a:p>
+            <a:endParaRPr lang="en-US" altLang="zh-CN" sz="2400" dirty="0"/>
+          </a:p>
+          <a:p>
+            <a:r>
+              <a:rPr lang="en-US" altLang="zh-CN" sz="2400" dirty="0"/>
               <a:t>vim</a:t>
             </a:r>
             <a:r>
-              <a:rPr lang="zh-CN" altLang="en-US" sz="2000" dirty="0"/>
+              <a:rPr lang="zh-CN" altLang="en-US" sz="2400" dirty="0"/>
               <a:t>配置文件使用“标记注释。</a:t>
             </a:r>
-            <a:endParaRPr lang="en-US" altLang="zh-CN" sz="2000" dirty="0"/>
+            <a:endParaRPr lang="en-US" altLang="zh-CN" sz="2400" dirty="0"/>
           </a:p>
           <a:p>
             <a:endParaRPr lang="en-US" altLang="zh-CN" sz="2000" dirty="0"/>
@@ -7482,7 +7482,7 @@
         <p:spPr>
           <a:xfrm>
             <a:off x="838200" y="1656500"/>
-            <a:ext cx="10515600" cy="4850832"/>
+            <a:ext cx="10515600" cy="5095992"/>
           </a:xfrm>
         </p:spPr>
         <p:txBody>
@@ -7493,293 +7493,293 @@
           <a:p>
             <a:pPr marL="0" indent="0">
               <a:lnSpc>
-                <a:spcPts val="2000"/>
+                <a:spcPts val="2200"/>
               </a:lnSpc>
               <a:buNone/>
             </a:pPr>
             <a:r>
-              <a:rPr lang="en-US" altLang="zh-CN" sz="1800" dirty="0"/>
+              <a:rPr lang="en-US" altLang="zh-CN" sz="2400" dirty="0"/>
               <a:t>set mouse=a “ </a:t>
             </a:r>
             <a:r>
-              <a:rPr lang="zh-CN" altLang="en-US" sz="1800" dirty="0"/>
+              <a:rPr lang="zh-CN" altLang="en-US" sz="2400" dirty="0"/>
               <a:t>启用鼠标支持，</a:t>
             </a:r>
             <a:r>
-              <a:rPr lang="en-US" altLang="zh-CN" sz="1800" dirty="0"/>
+              <a:rPr lang="en-US" altLang="zh-CN" sz="2400" dirty="0"/>
               <a:t>a</a:t>
             </a:r>
             <a:r>
-              <a:rPr lang="zh-CN" altLang="en-US" sz="1800" dirty="0"/>
+              <a:rPr lang="zh-CN" altLang="en-US" sz="2400" dirty="0"/>
               <a:t>表示所有模式都支持</a:t>
             </a:r>
           </a:p>
           <a:p>
             <a:pPr marL="0" indent="0">
               <a:lnSpc>
-                <a:spcPts val="2000"/>
+                <a:spcPts val="2200"/>
               </a:lnSpc>
               <a:buNone/>
             </a:pPr>
             <a:r>
-              <a:rPr lang="en-US" altLang="zh-CN" sz="1800" dirty="0"/>
+              <a:rPr lang="en-US" altLang="zh-CN" sz="2400" dirty="0"/>
               <a:t>set term=screen-256color “ </a:t>
             </a:r>
             <a:r>
-              <a:rPr lang="zh-CN" altLang="en-US" sz="1800" dirty="0"/>
+              <a:rPr lang="zh-CN" altLang="en-US" sz="2400" dirty="0"/>
               <a:t>设置终端颜色模式</a:t>
             </a:r>
           </a:p>
           <a:p>
             <a:pPr marL="0" indent="0">
               <a:lnSpc>
-                <a:spcPts val="2000"/>
+                <a:spcPts val="2200"/>
               </a:lnSpc>
               <a:buNone/>
             </a:pPr>
             <a:r>
-              <a:rPr lang="en-US" altLang="zh-CN" sz="1800" dirty="0"/>
+              <a:rPr lang="en-US" altLang="zh-CN" sz="2400" dirty="0"/>
               <a:t>set </a:t>
             </a:r>
             <a:r>
-              <a:rPr lang="en-US" altLang="zh-CN" sz="1800" dirty="0" err="1"/>
+              <a:rPr lang="en-US" altLang="zh-CN" sz="2400" dirty="0" err="1"/>
               <a:t>t_Co</a:t>
             </a:r>
             <a:r>
-              <a:rPr lang="en-US" altLang="zh-CN" sz="1800" dirty="0"/>
+              <a:rPr lang="en-US" altLang="zh-CN" sz="2400" dirty="0"/>
               <a:t>=256  “ 256</a:t>
             </a:r>
             <a:r>
-              <a:rPr lang="zh-CN" altLang="en-US" sz="1800" dirty="0"/>
+              <a:rPr lang="zh-CN" altLang="en-US" sz="2400" dirty="0"/>
               <a:t>颜色支持</a:t>
             </a:r>
-            <a:endParaRPr lang="en-US" altLang="zh-CN" sz="1800" dirty="0"/>
+            <a:endParaRPr lang="en-US" altLang="zh-CN" sz="2400" dirty="0"/>
           </a:p>
           <a:p>
             <a:pPr marL="0" indent="0">
               <a:lnSpc>
-                <a:spcPts val="2000"/>
+                <a:spcPts val="2200"/>
               </a:lnSpc>
               <a:buNone/>
             </a:pPr>
             <a:r>
-              <a:rPr lang="en-US" altLang="zh-CN" sz="1800" dirty="0"/>
+              <a:rPr lang="en-US" altLang="zh-CN" sz="2400" dirty="0"/>
               <a:t>set number “ </a:t>
             </a:r>
             <a:r>
-              <a:rPr lang="zh-CN" altLang="en-US" sz="1800" dirty="0"/>
+              <a:rPr lang="zh-CN" altLang="en-US" sz="2400" dirty="0"/>
               <a:t>显示行号</a:t>
             </a:r>
           </a:p>
           <a:p>
             <a:pPr marL="0" indent="0">
               <a:lnSpc>
-                <a:spcPts val="2000"/>
+                <a:spcPts val="2200"/>
               </a:lnSpc>
               <a:buNone/>
             </a:pPr>
             <a:r>
-              <a:rPr lang="en-US" altLang="zh-CN" sz="1800" dirty="0"/>
+              <a:rPr lang="en-US" altLang="zh-CN" sz="2400" dirty="0"/>
               <a:t>set backspace=2 “ </a:t>
             </a:r>
             <a:r>
-              <a:rPr lang="zh-CN" altLang="en-US" sz="1800" dirty="0"/>
+              <a:rPr lang="zh-CN" altLang="en-US" sz="2400" dirty="0"/>
               <a:t>设置退格键删除</a:t>
             </a:r>
           </a:p>
           <a:p>
             <a:pPr marL="0" indent="0">
               <a:lnSpc>
-                <a:spcPts val="2000"/>
+                <a:spcPts val="2200"/>
               </a:lnSpc>
               <a:buNone/>
             </a:pPr>
             <a:r>
-              <a:rPr lang="en-US" altLang="zh-CN" sz="1800" dirty="0"/>
+              <a:rPr lang="en-US" altLang="zh-CN" sz="2400" dirty="0"/>
               <a:t>set </a:t>
             </a:r>
             <a:r>
-              <a:rPr lang="en-US" altLang="zh-CN" sz="1800" dirty="0" err="1"/>
+              <a:rPr lang="en-US" altLang="zh-CN" sz="2400" dirty="0" err="1"/>
               <a:t>fileencodings</a:t>
             </a:r>
             <a:r>
-              <a:rPr lang="en-US" altLang="zh-CN" sz="1800" dirty="0"/>
+              <a:rPr lang="en-US" altLang="zh-CN" sz="2400" dirty="0"/>
               <a:t>=utf-8 “</a:t>
             </a:r>
             <a:r>
-              <a:rPr lang="zh-CN" altLang="en-US" sz="1800" dirty="0"/>
+              <a:rPr lang="zh-CN" altLang="en-US" sz="2400" dirty="0"/>
               <a:t>设置文件编码为</a:t>
             </a:r>
             <a:r>
-              <a:rPr lang="en-US" altLang="zh-CN" sz="1800" dirty="0"/>
+              <a:rPr lang="en-US" altLang="zh-CN" sz="2400" dirty="0"/>
               <a:t>utf-8</a:t>
             </a:r>
           </a:p>
           <a:p>
             <a:pPr marL="0" indent="0">
               <a:lnSpc>
-                <a:spcPts val="2000"/>
+                <a:spcPts val="2200"/>
               </a:lnSpc>
               <a:buNone/>
             </a:pPr>
             <a:r>
-              <a:rPr lang="en-US" altLang="zh-CN" sz="1800" dirty="0"/>
+              <a:rPr lang="en-US" altLang="zh-CN" sz="2400" dirty="0"/>
               <a:t>set encoding=utf-8 “ </a:t>
             </a:r>
             <a:r>
-              <a:rPr lang="zh-CN" altLang="en-US" sz="1800" dirty="0"/>
+              <a:rPr lang="zh-CN" altLang="en-US" sz="2400" dirty="0"/>
               <a:t>设置</a:t>
             </a:r>
             <a:r>
-              <a:rPr lang="en-US" altLang="zh-CN" sz="1800" dirty="0"/>
+              <a:rPr lang="en-US" altLang="zh-CN" sz="2400" dirty="0"/>
               <a:t>vim</a:t>
             </a:r>
             <a:r>
-              <a:rPr lang="zh-CN" altLang="en-US" sz="1800" dirty="0"/>
+              <a:rPr lang="zh-CN" altLang="en-US" sz="2400" dirty="0"/>
               <a:t>编码</a:t>
             </a:r>
             <a:r>
-              <a:rPr lang="en-US" altLang="zh-CN" sz="1800" dirty="0"/>
+              <a:rPr lang="en-US" altLang="zh-CN" sz="2400" dirty="0"/>
               <a:t>utf-8</a:t>
             </a:r>
           </a:p>
           <a:p>
             <a:pPr marL="0" indent="0">
               <a:lnSpc>
-                <a:spcPts val="2000"/>
+                <a:spcPts val="2200"/>
               </a:lnSpc>
               <a:buNone/>
             </a:pPr>
             <a:r>
-              <a:rPr lang="en-US" altLang="zh-CN" sz="1800" dirty="0"/>
+              <a:rPr lang="en-US" altLang="zh-CN" sz="2400" dirty="0"/>
               <a:t>set </a:t>
             </a:r>
             <a:r>
-              <a:rPr lang="en-US" altLang="zh-CN" sz="1800" dirty="0" err="1"/>
+              <a:rPr lang="en-US" altLang="zh-CN" sz="2400" dirty="0" err="1"/>
               <a:t>termencoding</a:t>
             </a:r>
             <a:r>
-              <a:rPr lang="en-US" altLang="zh-CN" sz="1800" dirty="0"/>
+              <a:rPr lang="en-US" altLang="zh-CN" sz="2400" dirty="0"/>
               <a:t>=utf-8 ” </a:t>
             </a:r>
             <a:r>
-              <a:rPr lang="zh-CN" altLang="en-US" sz="1800" dirty="0"/>
+              <a:rPr lang="zh-CN" altLang="en-US" sz="2400" dirty="0"/>
               <a:t>设置终端模式编码为</a:t>
             </a:r>
             <a:r>
-              <a:rPr lang="en-US" altLang="zh-CN" sz="1800" dirty="0"/>
+              <a:rPr lang="en-US" altLang="zh-CN" sz="2400" dirty="0"/>
               <a:t>utf-8</a:t>
             </a:r>
           </a:p>
           <a:p>
             <a:pPr marL="0" indent="0">
               <a:lnSpc>
-                <a:spcPts val="2000"/>
+                <a:spcPts val="2200"/>
               </a:lnSpc>
               <a:buNone/>
             </a:pPr>
             <a:r>
-              <a:rPr lang="en-US" altLang="zh-CN" sz="1800" dirty="0"/>
+              <a:rPr lang="en-US" altLang="zh-CN" sz="2400" dirty="0"/>
               <a:t>set </a:t>
             </a:r>
             <a:r>
-              <a:rPr lang="en-US" altLang="zh-CN" sz="1800" dirty="0" err="1"/>
+              <a:rPr lang="en-US" altLang="zh-CN" sz="2400" dirty="0" err="1"/>
               <a:t>autoindent</a:t>
             </a:r>
             <a:r>
-              <a:rPr lang="en-US" altLang="zh-CN" sz="1800" dirty="0"/>
+              <a:rPr lang="en-US" altLang="zh-CN" sz="2400" dirty="0"/>
               <a:t> “ </a:t>
             </a:r>
             <a:r>
-              <a:rPr lang="zh-CN" altLang="en-US" sz="1800" dirty="0"/>
+              <a:rPr lang="zh-CN" altLang="en-US" sz="2400" dirty="0"/>
               <a:t>自动缩进</a:t>
             </a:r>
           </a:p>
           <a:p>
             <a:pPr marL="0" indent="0">
               <a:lnSpc>
-                <a:spcPts val="2000"/>
+                <a:spcPts val="2200"/>
               </a:lnSpc>
               <a:buNone/>
             </a:pPr>
             <a:r>
-              <a:rPr lang="en-US" altLang="zh-CN" sz="1800" dirty="0"/>
+              <a:rPr lang="en-US" altLang="zh-CN" sz="2400" dirty="0"/>
               <a:t>set </a:t>
             </a:r>
             <a:r>
-              <a:rPr lang="en-US" altLang="zh-CN" sz="1800" dirty="0" err="1"/>
+              <a:rPr lang="en-US" altLang="zh-CN" sz="2400" dirty="0" err="1"/>
               <a:t>shiftwidth</a:t>
             </a:r>
             <a:r>
-              <a:rPr lang="en-US" altLang="zh-CN" sz="1800" dirty="0"/>
+              <a:rPr lang="en-US" altLang="zh-CN" sz="2400" dirty="0"/>
               <a:t>=4 “</a:t>
             </a:r>
             <a:r>
-              <a:rPr lang="zh-CN" altLang="en-US" sz="1800" dirty="0"/>
+              <a:rPr lang="zh-CN" altLang="en-US" sz="2400" dirty="0"/>
               <a:t>缩进</a:t>
             </a:r>
             <a:r>
-              <a:rPr lang="en-US" altLang="zh-CN" sz="1800" dirty="0"/>
+              <a:rPr lang="en-US" altLang="zh-CN" sz="2400" dirty="0"/>
               <a:t>4</a:t>
             </a:r>
             <a:r>
-              <a:rPr lang="zh-CN" altLang="en-US" sz="1800" dirty="0"/>
+              <a:rPr lang="zh-CN" altLang="en-US" sz="2400" dirty="0"/>
               <a:t>空格宽度</a:t>
             </a:r>
           </a:p>
           <a:p>
             <a:pPr marL="0" indent="0">
               <a:lnSpc>
-                <a:spcPts val="2000"/>
+                <a:spcPts val="2200"/>
               </a:lnSpc>
               <a:buNone/>
             </a:pPr>
             <a:r>
-              <a:rPr lang="en-US" altLang="zh-CN" sz="1800" dirty="0"/>
+              <a:rPr lang="en-US" altLang="zh-CN" sz="2400" dirty="0"/>
               <a:t>set </a:t>
             </a:r>
             <a:r>
-              <a:rPr lang="en-US" altLang="zh-CN" sz="1800" dirty="0" err="1"/>
+              <a:rPr lang="en-US" altLang="zh-CN" sz="2400" dirty="0" err="1"/>
               <a:t>tabstop</a:t>
             </a:r>
             <a:r>
-              <a:rPr lang="en-US" altLang="zh-CN" sz="1800" dirty="0"/>
+              <a:rPr lang="en-US" altLang="zh-CN" sz="2400" dirty="0"/>
               <a:t>=4 “ tab</a:t>
             </a:r>
             <a:r>
-              <a:rPr lang="zh-CN" altLang="en-US" sz="1800" dirty="0"/>
+              <a:rPr lang="zh-CN" altLang="en-US" sz="2400" dirty="0"/>
               <a:t>缩进</a:t>
             </a:r>
             <a:r>
-              <a:rPr lang="en-US" altLang="zh-CN" sz="1800" dirty="0"/>
+              <a:rPr lang="en-US" altLang="zh-CN" sz="2400" dirty="0"/>
               <a:t>4</a:t>
             </a:r>
             <a:r>
-              <a:rPr lang="zh-CN" altLang="en-US" sz="1800" dirty="0"/>
+              <a:rPr lang="zh-CN" altLang="en-US" sz="2400" dirty="0"/>
               <a:t>空格宽度</a:t>
             </a:r>
           </a:p>
           <a:p>
             <a:pPr marL="0" indent="0">
               <a:lnSpc>
-                <a:spcPts val="2000"/>
+                <a:spcPts val="2200"/>
               </a:lnSpc>
               <a:buNone/>
             </a:pPr>
             <a:r>
-              <a:rPr lang="en-US" altLang="zh-CN" sz="1800" dirty="0"/>
+              <a:rPr lang="en-US" altLang="zh-CN" sz="2400" dirty="0"/>
               <a:t>set </a:t>
             </a:r>
             <a:r>
-              <a:rPr lang="en-US" altLang="zh-CN" sz="1800" dirty="0" err="1"/>
+              <a:rPr lang="en-US" altLang="zh-CN" sz="2400" dirty="0" err="1"/>
               <a:t>expandtab</a:t>
             </a:r>
             <a:r>
-              <a:rPr lang="en-US" altLang="zh-CN" sz="1800" dirty="0"/>
+              <a:rPr lang="en-US" altLang="zh-CN" sz="2400" dirty="0"/>
               <a:t> “ tab</a:t>
             </a:r>
             <a:r>
-              <a:rPr lang="zh-CN" altLang="en-US" sz="1800" dirty="0"/>
+              <a:rPr lang="zh-CN" altLang="en-US" sz="2400" dirty="0"/>
               <a:t>转换为空格</a:t>
             </a:r>
           </a:p>
@@ -7881,23 +7881,7 @@
                 <a:spcPts val="2000"/>
               </a:lnSpc>
             </a:pPr>
-            <a:r>
-              <a:rPr lang="zh-CN" altLang="en-US" sz="2000" dirty="0"/>
-              <a:t>设置暗色背景</a:t>
-            </a:r>
-            <a:endParaRPr lang="en-US" altLang="zh-CN" sz="2000" dirty="0"/>
-          </a:p>
-          <a:p>
-            <a:pPr marL="457200" lvl="1" indent="0">
-              <a:lnSpc>
-                <a:spcPts val="2000"/>
-              </a:lnSpc>
-              <a:buNone/>
-            </a:pPr>
-            <a:r>
-              <a:rPr lang="en-US" altLang="zh-CN" sz="1800" dirty="0"/>
-              <a:t>set  background=dark</a:t>
-            </a:r>
+            <a:endParaRPr lang="en-US" altLang="zh-CN" sz="2400"/>
           </a:p>
           <a:p>
             <a:pPr>
@@ -7906,10 +7890,14 @@
               </a:lnSpc>
             </a:pPr>
             <a:r>
-              <a:rPr lang="zh-CN" altLang="en-US" sz="2000" dirty="0"/>
-              <a:t>设置颜色主题</a:t>
-            </a:r>
-            <a:endParaRPr lang="en-US" altLang="zh-CN" sz="2000" dirty="0"/>
+              <a:rPr lang="zh-CN" altLang="en-US" sz="2400"/>
+              <a:t>设置</a:t>
+            </a:r>
+            <a:r>
+              <a:rPr lang="zh-CN" altLang="en-US" sz="2400" dirty="0"/>
+              <a:t>暗色背景</a:t>
+            </a:r>
+            <a:endParaRPr lang="en-US" altLang="zh-CN" sz="2400" dirty="0"/>
           </a:p>
           <a:p>
             <a:pPr marL="457200" lvl="1" indent="0">
@@ -7919,19 +7907,43 @@
               <a:buNone/>
             </a:pPr>
             <a:r>
-              <a:rPr lang="en-US" altLang="zh-CN" sz="1800" dirty="0" err="1"/>
+              <a:rPr lang="en-US" altLang="zh-CN" sz="2000" dirty="0"/>
+              <a:t>set  background=dark</a:t>
+            </a:r>
+          </a:p>
+          <a:p>
+            <a:pPr>
+              <a:lnSpc>
+                <a:spcPts val="2000"/>
+              </a:lnSpc>
+            </a:pPr>
+            <a:r>
+              <a:rPr lang="zh-CN" altLang="en-US" sz="2400" dirty="0"/>
+              <a:t>设置颜色主题</a:t>
+            </a:r>
+            <a:endParaRPr lang="en-US" altLang="zh-CN" sz="2400" dirty="0"/>
+          </a:p>
+          <a:p>
+            <a:pPr marL="457200" lvl="1" indent="0">
+              <a:lnSpc>
+                <a:spcPts val="2000"/>
+              </a:lnSpc>
+              <a:buNone/>
+            </a:pPr>
+            <a:r>
+              <a:rPr lang="en-US" altLang="zh-CN" sz="2000" dirty="0" err="1"/>
               <a:t>colorscheme</a:t>
             </a:r>
             <a:r>
-              <a:rPr lang="en-US" altLang="zh-CN" sz="1800" dirty="0"/>
+              <a:rPr lang="en-US" altLang="zh-CN" sz="2000" dirty="0"/>
               <a:t>  </a:t>
             </a:r>
             <a:r>
-              <a:rPr lang="en-US" altLang="zh-CN" sz="1800" dirty="0" err="1"/>
+              <a:rPr lang="en-US" altLang="zh-CN" sz="2000" dirty="0" err="1"/>
               <a:t>colorsbox</a:t>
             </a:r>
             <a:r>
-              <a:rPr lang="en-US" altLang="zh-CN" sz="1800" dirty="0"/>
+              <a:rPr lang="en-US" altLang="zh-CN" sz="2000" dirty="0"/>
               <a:t>-material</a:t>
             </a:r>
           </a:p>
@@ -8248,138 +8260,138 @@
           <a:lstStyle/>
           <a:p>
             <a:r>
-              <a:rPr lang="zh-CN" altLang="en-US" sz="2000" dirty="0"/>
+              <a:rPr lang="zh-CN" altLang="en-US" sz="2400" dirty="0"/>
               <a:t>使用</a:t>
             </a:r>
             <a:r>
-              <a:rPr lang="en-US" altLang="zh-CN" sz="2000" dirty="0"/>
+              <a:rPr lang="en-US" altLang="zh-CN" sz="2400" dirty="0"/>
               <a:t>vim </a:t>
             </a:r>
             <a:r>
-              <a:rPr lang="en-US" altLang="zh-CN" sz="2000" dirty="0" err="1"/>
+              <a:rPr lang="en-US" altLang="zh-CN" sz="2400" dirty="0" err="1"/>
               <a:t>test.c</a:t>
             </a:r>
             <a:r>
-              <a:rPr lang="zh-CN" altLang="en-US" sz="2000" dirty="0"/>
+              <a:rPr lang="zh-CN" altLang="en-US" sz="2400" dirty="0"/>
               <a:t>创建文件并编写一段</a:t>
             </a:r>
             <a:r>
-              <a:rPr lang="en-US" altLang="zh-CN" sz="2000" dirty="0"/>
+              <a:rPr lang="en-US" altLang="zh-CN" sz="2400" dirty="0"/>
               <a:t>C</a:t>
             </a:r>
             <a:r>
-              <a:rPr lang="zh-CN" altLang="en-US" sz="2000" dirty="0"/>
+              <a:rPr lang="zh-CN" altLang="en-US" sz="2400" dirty="0"/>
               <a:t>程序。</a:t>
             </a:r>
-            <a:endParaRPr lang="en-US" altLang="zh-CN" sz="2000" dirty="0"/>
-          </a:p>
-          <a:p>
-            <a:endParaRPr lang="en-US" altLang="zh-CN" sz="2000" dirty="0"/>
-          </a:p>
-          <a:p>
-            <a:r>
-              <a:rPr lang="en-US" altLang="zh-CN" sz="2000" dirty="0" err="1"/>
+            <a:endParaRPr lang="en-US" altLang="zh-CN" sz="2400" dirty="0"/>
+          </a:p>
+          <a:p>
+            <a:endParaRPr lang="en-US" altLang="zh-CN" sz="2400" dirty="0"/>
+          </a:p>
+          <a:p>
+            <a:r>
+              <a:rPr lang="en-US" altLang="zh-CN" sz="2400" dirty="0" err="1"/>
               <a:t>gcc</a:t>
             </a:r>
             <a:r>
-              <a:rPr lang="en-US" altLang="zh-CN" sz="2000" dirty="0"/>
+              <a:rPr lang="en-US" altLang="zh-CN" sz="2400" dirty="0"/>
               <a:t> </a:t>
             </a:r>
             <a:r>
-              <a:rPr lang="en-US" altLang="zh-CN" sz="2000" dirty="0" err="1"/>
+              <a:rPr lang="en-US" altLang="zh-CN" sz="2400" dirty="0" err="1"/>
               <a:t>test.c</a:t>
             </a:r>
             <a:r>
-              <a:rPr lang="zh-CN" altLang="en-US" sz="2000" dirty="0"/>
+              <a:rPr lang="zh-CN" altLang="en-US" sz="2400" dirty="0"/>
               <a:t>即可编译，编译后的文件是</a:t>
             </a:r>
             <a:r>
-              <a:rPr lang="en-US" altLang="zh-CN" sz="2000" dirty="0" err="1"/>
+              <a:rPr lang="en-US" altLang="zh-CN" sz="2400" dirty="0" err="1"/>
               <a:t>a.out</a:t>
             </a:r>
             <a:r>
-              <a:rPr lang="zh-CN" altLang="en-US" sz="2000" dirty="0"/>
+              <a:rPr lang="zh-CN" altLang="en-US" sz="2400" dirty="0"/>
               <a:t>。</a:t>
             </a:r>
-            <a:endParaRPr lang="en-US" altLang="zh-CN" sz="2000" dirty="0"/>
-          </a:p>
-          <a:p>
-            <a:endParaRPr lang="en-US" altLang="zh-CN" sz="2000" dirty="0"/>
-          </a:p>
-          <a:p>
-            <a:r>
-              <a:rPr lang="en-US" altLang="zh-CN" sz="2000" dirty="0"/>
+            <a:endParaRPr lang="en-US" altLang="zh-CN" sz="2400" dirty="0"/>
+          </a:p>
+          <a:p>
+            <a:endParaRPr lang="en-US" altLang="zh-CN" sz="2400" dirty="0"/>
+          </a:p>
+          <a:p>
+            <a:r>
+              <a:rPr lang="en-US" altLang="zh-CN" sz="2400" dirty="0"/>
               <a:t>./</a:t>
             </a:r>
             <a:r>
-              <a:rPr lang="en-US" altLang="zh-CN" sz="2000" dirty="0" err="1"/>
+              <a:rPr lang="en-US" altLang="zh-CN" sz="2400" dirty="0" err="1"/>
               <a:t>a.out</a:t>
             </a:r>
             <a:r>
-              <a:rPr lang="zh-CN" altLang="en-US" sz="2000" dirty="0"/>
+              <a:rPr lang="zh-CN" altLang="en-US" sz="2400" dirty="0"/>
               <a:t>运行编译的程序。</a:t>
             </a:r>
-            <a:endParaRPr lang="en-US" altLang="zh-CN" sz="2000" dirty="0"/>
-          </a:p>
-          <a:p>
-            <a:endParaRPr lang="en-US" altLang="zh-CN" sz="2000" dirty="0"/>
-          </a:p>
-          <a:p>
-            <a:r>
-              <a:rPr lang="en-US" altLang="zh-CN" sz="2000" dirty="0" err="1"/>
+            <a:endParaRPr lang="en-US" altLang="zh-CN" sz="2400" dirty="0"/>
+          </a:p>
+          <a:p>
+            <a:endParaRPr lang="en-US" altLang="zh-CN" sz="2400" dirty="0"/>
+          </a:p>
+          <a:p>
+            <a:r>
+              <a:rPr lang="en-US" altLang="zh-CN" sz="2400" dirty="0" err="1"/>
               <a:t>gcc</a:t>
             </a:r>
             <a:r>
-              <a:rPr lang="zh-CN" altLang="en-US" sz="2000" dirty="0"/>
+              <a:rPr lang="zh-CN" altLang="en-US" sz="2400" dirty="0"/>
               <a:t>编译后的默认名称是</a:t>
             </a:r>
             <a:r>
-              <a:rPr lang="en-US" altLang="zh-CN" sz="2000" dirty="0" err="1"/>
+              <a:rPr lang="en-US" altLang="zh-CN" sz="2400" dirty="0" err="1"/>
               <a:t>a.out</a:t>
             </a:r>
-            <a:endParaRPr lang="en-US" altLang="zh-CN" sz="2000" dirty="0"/>
-          </a:p>
-          <a:p>
-            <a:endParaRPr lang="en-US" altLang="zh-CN" sz="2000" dirty="0"/>
-          </a:p>
-          <a:p>
-            <a:r>
-              <a:rPr lang="en-US" altLang="zh-CN" sz="2000" dirty="0" err="1"/>
+            <a:endParaRPr lang="en-US" altLang="zh-CN" sz="2400" dirty="0"/>
+          </a:p>
+          <a:p>
+            <a:endParaRPr lang="en-US" altLang="zh-CN" sz="2400" dirty="0"/>
+          </a:p>
+          <a:p>
+            <a:r>
+              <a:rPr lang="en-US" altLang="zh-CN" sz="2400" dirty="0" err="1"/>
               <a:t>gcc</a:t>
             </a:r>
             <a:r>
-              <a:rPr lang="en-US" altLang="zh-CN" sz="2000" dirty="0"/>
+              <a:rPr lang="en-US" altLang="zh-CN" sz="2400" dirty="0"/>
               <a:t> –o test </a:t>
             </a:r>
             <a:r>
-              <a:rPr lang="en-US" altLang="zh-CN" sz="2000" dirty="0" err="1"/>
+              <a:rPr lang="en-US" altLang="zh-CN" sz="2400" dirty="0" err="1"/>
               <a:t>test.c</a:t>
             </a:r>
             <a:r>
-              <a:rPr lang="en-US" altLang="zh-CN" sz="2000" dirty="0"/>
+              <a:rPr lang="en-US" altLang="zh-CN" sz="2400" dirty="0"/>
               <a:t> </a:t>
             </a:r>
             <a:r>
-              <a:rPr lang="zh-CN" altLang="en-US" sz="2000" dirty="0"/>
+              <a:rPr lang="zh-CN" altLang="en-US" sz="2400" dirty="0"/>
               <a:t>编译后的文件是</a:t>
             </a:r>
             <a:r>
-              <a:rPr lang="en-US" altLang="zh-CN" sz="2000" dirty="0"/>
+              <a:rPr lang="en-US" altLang="zh-CN" sz="2400" dirty="0"/>
               <a:t>test</a:t>
             </a:r>
             <a:r>
-              <a:rPr lang="zh-CN" altLang="en-US" sz="2000" dirty="0"/>
+              <a:rPr lang="zh-CN" altLang="en-US" sz="2400" dirty="0"/>
               <a:t>，</a:t>
             </a:r>
             <a:r>
-              <a:rPr lang="en-US" altLang="zh-CN" sz="2000" dirty="0"/>
+              <a:rPr lang="en-US" altLang="zh-CN" sz="2400" dirty="0"/>
               <a:t>-o</a:t>
             </a:r>
             <a:r>
-              <a:rPr lang="zh-CN" altLang="en-US" sz="2000" dirty="0"/>
+              <a:rPr lang="zh-CN" altLang="en-US" sz="2400" dirty="0"/>
               <a:t>参数后面跟输出文件的名称。</a:t>
             </a:r>
-            <a:endParaRPr lang="en-US" altLang="zh-CN" sz="2000" dirty="0"/>
+            <a:endParaRPr lang="en-US" altLang="zh-CN" sz="2400" dirty="0"/>
           </a:p>
           <a:p>
             <a:endParaRPr lang="en-US" altLang="zh-CN" sz="2000" dirty="0"/>
@@ -8473,156 +8485,156 @@
           <a:lstStyle/>
           <a:p>
             <a:r>
-              <a:rPr lang="en-US" altLang="zh-CN" sz="2000" dirty="0" err="1"/>
+              <a:rPr lang="en-US" altLang="zh-CN" sz="2400" dirty="0" err="1"/>
               <a:t>gcc</a:t>
             </a:r>
             <a:r>
-              <a:rPr lang="zh-CN" altLang="en-US" sz="2000" dirty="0"/>
+              <a:rPr lang="zh-CN" altLang="en-US" sz="2400" dirty="0"/>
               <a:t> </a:t>
             </a:r>
             <a:r>
-              <a:rPr lang="en-US" altLang="zh-CN" sz="2000" dirty="0" err="1"/>
+              <a:rPr lang="en-US" altLang="zh-CN" sz="2400" dirty="0" err="1"/>
               <a:t>test.c</a:t>
             </a:r>
             <a:r>
-              <a:rPr lang="zh-CN" altLang="en-US" sz="2000" dirty="0"/>
+              <a:rPr lang="zh-CN" altLang="en-US" sz="2400" dirty="0"/>
               <a:t>编译后的输出文件是</a:t>
             </a:r>
             <a:r>
-              <a:rPr lang="en-US" altLang="zh-CN" sz="2000" dirty="0"/>
+              <a:rPr lang="en-US" altLang="zh-CN" sz="2400" dirty="0"/>
               <a:t>ELF</a:t>
             </a:r>
             <a:r>
-              <a:rPr lang="zh-CN" altLang="en-US" sz="2000" dirty="0"/>
+              <a:rPr lang="zh-CN" altLang="en-US" sz="2400" dirty="0"/>
               <a:t>格式的，在</a:t>
             </a:r>
             <a:r>
-              <a:rPr lang="en-US" altLang="zh-CN" sz="2000" dirty="0"/>
+              <a:rPr lang="en-US" altLang="zh-CN" sz="2400" dirty="0"/>
               <a:t>Linux</a:t>
             </a:r>
             <a:r>
-              <a:rPr lang="zh-CN" altLang="en-US" sz="2000" dirty="0"/>
+              <a:rPr lang="zh-CN" altLang="en-US" sz="2400" dirty="0"/>
               <a:t>上是不用扩展名去区分文件类型的，这点和</a:t>
             </a:r>
             <a:r>
-              <a:rPr lang="en-US" altLang="zh-CN" sz="2000" dirty="0"/>
+              <a:rPr lang="en-US" altLang="zh-CN" sz="2400" dirty="0"/>
               <a:t>Windows</a:t>
             </a:r>
             <a:r>
-              <a:rPr lang="zh-CN" altLang="en-US" sz="2000" dirty="0"/>
+              <a:rPr lang="zh-CN" altLang="en-US" sz="2400" dirty="0"/>
               <a:t>不同。</a:t>
             </a:r>
-            <a:endParaRPr lang="en-US" altLang="zh-CN" sz="2000" dirty="0"/>
-          </a:p>
-          <a:p>
-            <a:endParaRPr lang="en-US" altLang="zh-CN" sz="2000" dirty="0"/>
-          </a:p>
-          <a:p>
-            <a:r>
-              <a:rPr lang="zh-CN" altLang="en-US" sz="2000" dirty="0"/>
+            <a:endParaRPr lang="en-US" altLang="zh-CN" sz="2400" dirty="0"/>
+          </a:p>
+          <a:p>
+            <a:endParaRPr lang="en-US" altLang="zh-CN" sz="2400" dirty="0"/>
+          </a:p>
+          <a:p>
+            <a:r>
+              <a:rPr lang="zh-CN" altLang="en-US" sz="2400" dirty="0"/>
               <a:t>而扩展名和文件类型并没有关系，</a:t>
             </a:r>
             <a:r>
-              <a:rPr lang="en-US" altLang="zh-CN" sz="2000" dirty="0"/>
+              <a:rPr lang="en-US" altLang="zh-CN" sz="2400" dirty="0"/>
               <a:t>Windows</a:t>
             </a:r>
             <a:r>
-              <a:rPr lang="zh-CN" altLang="en-US" sz="2000" dirty="0"/>
+              <a:rPr lang="zh-CN" altLang="en-US" sz="2400" dirty="0"/>
               <a:t>是设计必须使用扩展名和对应的运行程序去关联。</a:t>
             </a:r>
             <a:r>
-              <a:rPr lang="en-US" altLang="zh-CN" sz="2000" dirty="0"/>
+              <a:rPr lang="en-US" altLang="zh-CN" sz="2400" dirty="0"/>
               <a:t>.exe</a:t>
             </a:r>
             <a:r>
-              <a:rPr lang="zh-CN" altLang="en-US" sz="2000" dirty="0"/>
+              <a:rPr lang="zh-CN" altLang="en-US" sz="2400" dirty="0"/>
               <a:t>是</a:t>
             </a:r>
             <a:r>
-              <a:rPr lang="en-US" altLang="zh-CN" sz="2000" dirty="0"/>
+              <a:rPr lang="en-US" altLang="zh-CN" sz="2400" dirty="0"/>
               <a:t>Windows</a:t>
             </a:r>
             <a:r>
-              <a:rPr lang="zh-CN" altLang="en-US" sz="2000" dirty="0"/>
+              <a:rPr lang="zh-CN" altLang="en-US" sz="2400" dirty="0"/>
               <a:t>上的可执行文件的扩展名。</a:t>
             </a:r>
             <a:r>
-              <a:rPr lang="en-US" altLang="zh-CN" sz="2000" dirty="0"/>
+              <a:rPr lang="en-US" altLang="zh-CN" sz="2400" dirty="0"/>
               <a:t>Windows</a:t>
             </a:r>
             <a:r>
-              <a:rPr lang="zh-CN" altLang="en-US" sz="2000" dirty="0"/>
+              <a:rPr lang="zh-CN" altLang="en-US" sz="2400" dirty="0"/>
               <a:t>上采用的</a:t>
             </a:r>
             <a:r>
-              <a:rPr lang="en-US" altLang="zh-CN" sz="2000" dirty="0"/>
+              <a:rPr lang="en-US" altLang="zh-CN" sz="2400" dirty="0"/>
               <a:t>PE</a:t>
             </a:r>
             <a:r>
-              <a:rPr lang="zh-CN" altLang="en-US" sz="2000" dirty="0"/>
+              <a:rPr lang="zh-CN" altLang="en-US" sz="2400" dirty="0"/>
               <a:t>格式作为可执行文件格式。</a:t>
             </a:r>
-            <a:endParaRPr lang="en-US" altLang="zh-CN" sz="2000" dirty="0"/>
-          </a:p>
-          <a:p>
-            <a:endParaRPr lang="en-US" altLang="zh-CN" sz="2000" dirty="0"/>
-          </a:p>
-          <a:p>
-            <a:r>
-              <a:rPr lang="zh-CN" altLang="en-US" sz="2000" dirty="0"/>
+            <a:endParaRPr lang="en-US" altLang="zh-CN" sz="2400" dirty="0"/>
+          </a:p>
+          <a:p>
+            <a:endParaRPr lang="en-US" altLang="zh-CN" sz="2400" dirty="0"/>
+          </a:p>
+          <a:p>
+            <a:r>
+              <a:rPr lang="zh-CN" altLang="en-US" sz="2400" dirty="0"/>
               <a:t>在</a:t>
             </a:r>
             <a:r>
-              <a:rPr lang="en-US" altLang="zh-CN" sz="2000" dirty="0"/>
+              <a:rPr lang="en-US" altLang="zh-CN" sz="2400" dirty="0"/>
               <a:t>Linux</a:t>
             </a:r>
             <a:r>
-              <a:rPr lang="zh-CN" altLang="en-US" sz="2000" dirty="0"/>
+              <a:rPr lang="zh-CN" altLang="en-US" sz="2400" dirty="0"/>
               <a:t>上采用的格式是</a:t>
             </a:r>
             <a:r>
-              <a:rPr lang="en-US" altLang="zh-CN" sz="2000" dirty="0"/>
+              <a:rPr lang="en-US" altLang="zh-CN" sz="2400" dirty="0"/>
               <a:t>ELF</a:t>
             </a:r>
             <a:r>
-              <a:rPr lang="zh-CN" altLang="en-US" sz="2000" dirty="0"/>
+              <a:rPr lang="zh-CN" altLang="en-US" sz="2400" dirty="0"/>
               <a:t>，但是不必在文件名中体现出来。</a:t>
             </a:r>
-            <a:endParaRPr lang="en-US" altLang="zh-CN" sz="2000" dirty="0"/>
-          </a:p>
-          <a:p>
-            <a:endParaRPr lang="en-US" altLang="zh-CN" sz="2000" dirty="0"/>
-          </a:p>
-          <a:p>
-            <a:r>
-              <a:rPr lang="en-US" altLang="zh-CN" sz="2000" dirty="0" err="1"/>
+            <a:endParaRPr lang="en-US" altLang="zh-CN" sz="2400" dirty="0"/>
+          </a:p>
+          <a:p>
+            <a:endParaRPr lang="en-US" altLang="zh-CN" sz="2400" dirty="0"/>
+          </a:p>
+          <a:p>
+            <a:r>
+              <a:rPr lang="en-US" altLang="zh-CN" sz="2400" dirty="0" err="1"/>
               <a:t>readelf</a:t>
             </a:r>
             <a:r>
-              <a:rPr lang="en-US" altLang="zh-CN" sz="2000" dirty="0"/>
+              <a:rPr lang="en-US" altLang="zh-CN" sz="2400" dirty="0"/>
               <a:t>  -h ./test</a:t>
             </a:r>
             <a:r>
-              <a:rPr lang="zh-CN" altLang="en-US" sz="2000" dirty="0"/>
+              <a:rPr lang="zh-CN" altLang="en-US" sz="2400" dirty="0"/>
               <a:t>可以查看</a:t>
             </a:r>
             <a:r>
-              <a:rPr lang="en-US" altLang="zh-CN" sz="2000" dirty="0"/>
+              <a:rPr lang="en-US" altLang="zh-CN" sz="2400" dirty="0"/>
               <a:t>test</a:t>
             </a:r>
             <a:r>
-              <a:rPr lang="zh-CN" altLang="en-US" sz="2000" dirty="0"/>
+              <a:rPr lang="zh-CN" altLang="en-US" sz="2400" dirty="0"/>
               <a:t>程序的</a:t>
             </a:r>
             <a:r>
-              <a:rPr lang="en-US" altLang="zh-CN" sz="2000" dirty="0"/>
+              <a:rPr lang="en-US" altLang="zh-CN" sz="2400" dirty="0"/>
               <a:t>ELF</a:t>
             </a:r>
             <a:r>
-              <a:rPr lang="zh-CN" altLang="en-US" sz="2000" dirty="0"/>
+              <a:rPr lang="zh-CN" altLang="en-US" sz="2400" dirty="0"/>
               <a:t>文件头信息。</a:t>
             </a:r>
-            <a:endParaRPr lang="en-US" altLang="zh-CN" sz="2000" dirty="0"/>
+            <a:endParaRPr lang="en-US" altLang="zh-CN" sz="2400" dirty="0"/>
           </a:p>
         </p:txBody>
       </p:sp>
@@ -8709,123 +8721,123 @@
           <a:lstStyle/>
           <a:p>
             <a:r>
-              <a:rPr lang="en-US" altLang="zh-CN" sz="2000" dirty="0" err="1"/>
+              <a:rPr lang="en-US" altLang="zh-CN" sz="2400" dirty="0" err="1"/>
               <a:t>glibc</a:t>
             </a:r>
             <a:r>
-              <a:rPr lang="zh-CN" altLang="en-US" sz="2000" dirty="0"/>
+              <a:rPr lang="zh-CN" altLang="en-US" sz="2400" dirty="0"/>
               <a:t>是</a:t>
             </a:r>
             <a:r>
-              <a:rPr lang="en-US" altLang="zh-CN" sz="2000" dirty="0"/>
+              <a:rPr lang="en-US" altLang="zh-CN" sz="2400" dirty="0"/>
               <a:t>Linux</a:t>
             </a:r>
             <a:r>
-              <a:rPr lang="zh-CN" altLang="en-US" sz="2000" dirty="0"/>
+              <a:rPr lang="zh-CN" altLang="en-US" sz="2400" dirty="0"/>
               <a:t>上标准</a:t>
             </a:r>
             <a:r>
-              <a:rPr lang="en-US" altLang="zh-CN" sz="2000" dirty="0"/>
+              <a:rPr lang="en-US" altLang="zh-CN" sz="2400" dirty="0"/>
               <a:t>C</a:t>
             </a:r>
             <a:r>
-              <a:rPr lang="zh-CN" altLang="en-US" sz="2000" dirty="0"/>
+              <a:rPr lang="zh-CN" altLang="en-US" sz="2400" dirty="0"/>
               <a:t>的实现。</a:t>
             </a:r>
-            <a:endParaRPr lang="en-US" altLang="zh-CN" sz="2000" dirty="0"/>
-          </a:p>
-          <a:p>
-            <a:endParaRPr lang="en-US" altLang="zh-CN" sz="2000" dirty="0"/>
-          </a:p>
-          <a:p>
-            <a:r>
-              <a:rPr lang="en-US" altLang="zh-CN" sz="2000" dirty="0"/>
+            <a:endParaRPr lang="en-US" altLang="zh-CN" sz="2400" dirty="0"/>
+          </a:p>
+          <a:p>
+            <a:endParaRPr lang="en-US" altLang="zh-CN" sz="2400" dirty="0"/>
+          </a:p>
+          <a:p>
+            <a:r>
+              <a:rPr lang="en-US" altLang="zh-CN" sz="2400" dirty="0"/>
               <a:t>.so</a:t>
             </a:r>
             <a:r>
-              <a:rPr lang="zh-CN" altLang="en-US" sz="2000" dirty="0"/>
+              <a:rPr lang="zh-CN" altLang="en-US" sz="2400" dirty="0"/>
               <a:t>文件是</a:t>
             </a:r>
             <a:r>
-              <a:rPr lang="en-US" altLang="zh-CN" sz="2000" dirty="0"/>
+              <a:rPr lang="en-US" altLang="zh-CN" sz="2400" dirty="0"/>
               <a:t>Linux</a:t>
             </a:r>
             <a:r>
-              <a:rPr lang="zh-CN" altLang="en-US" sz="2000" dirty="0"/>
+              <a:rPr lang="zh-CN" altLang="en-US" sz="2400" dirty="0"/>
               <a:t>上的共享库文件，相当于</a:t>
             </a:r>
             <a:r>
-              <a:rPr lang="en-US" altLang="zh-CN" sz="2000" dirty="0"/>
+              <a:rPr lang="en-US" altLang="zh-CN" sz="2400" dirty="0"/>
               <a:t>Windows</a:t>
             </a:r>
             <a:r>
-              <a:rPr lang="zh-CN" altLang="en-US" sz="2000" dirty="0"/>
+              <a:rPr lang="zh-CN" altLang="en-US" sz="2400" dirty="0"/>
               <a:t>上的</a:t>
             </a:r>
             <a:r>
-              <a:rPr lang="en-US" altLang="zh-CN" sz="2000" dirty="0" err="1"/>
+              <a:rPr lang="en-US" altLang="zh-CN" sz="2400" dirty="0" err="1"/>
               <a:t>dll</a:t>
             </a:r>
             <a:r>
-              <a:rPr lang="zh-CN" altLang="en-US" sz="2000" dirty="0"/>
+              <a:rPr lang="zh-CN" altLang="en-US" sz="2400" dirty="0"/>
               <a:t>文件。</a:t>
             </a:r>
-            <a:endParaRPr lang="en-US" altLang="zh-CN" sz="2000" dirty="0"/>
-          </a:p>
-          <a:p>
-            <a:endParaRPr lang="en-US" altLang="zh-CN" sz="2000" dirty="0"/>
-          </a:p>
-          <a:p>
-            <a:r>
-              <a:rPr lang="en-US" altLang="zh-CN" sz="2000" dirty="0" err="1"/>
+            <a:endParaRPr lang="en-US" altLang="zh-CN" sz="2400" dirty="0"/>
+          </a:p>
+          <a:p>
+            <a:endParaRPr lang="en-US" altLang="zh-CN" sz="2400" dirty="0"/>
+          </a:p>
+          <a:p>
+            <a:r>
+              <a:rPr lang="en-US" altLang="zh-CN" sz="2400" dirty="0" err="1"/>
               <a:t>glibc</a:t>
             </a:r>
             <a:r>
-              <a:rPr lang="zh-CN" altLang="en-US" sz="2000" dirty="0"/>
+              <a:rPr lang="zh-CN" altLang="en-US" sz="2400" dirty="0"/>
               <a:t>的实现库文件是</a:t>
             </a:r>
             <a:r>
-              <a:rPr lang="en-US" altLang="zh-CN" sz="2000" dirty="0"/>
+              <a:rPr lang="en-US" altLang="zh-CN" sz="2400" dirty="0"/>
               <a:t>/lib/x86_64-linux-gnu/libc.so.6</a:t>
             </a:r>
             <a:r>
-              <a:rPr lang="zh-CN" altLang="en-US" sz="2000" dirty="0"/>
+              <a:rPr lang="zh-CN" altLang="en-US" sz="2400" dirty="0"/>
               <a:t>链接到</a:t>
             </a:r>
             <a:r>
-              <a:rPr lang="en-US" altLang="zh-CN" sz="2000" dirty="0"/>
+              <a:rPr lang="en-US" altLang="zh-CN" sz="2400" dirty="0"/>
               <a:t>/lib/x86_64-linux-gnu/libc-2.23.so</a:t>
             </a:r>
           </a:p>
           <a:p>
-            <a:endParaRPr lang="en-US" altLang="zh-CN" sz="2000" dirty="0"/>
-          </a:p>
-          <a:p>
-            <a:r>
-              <a:rPr lang="en-US" altLang="zh-CN" sz="2000" dirty="0" err="1"/>
+            <a:endParaRPr lang="en-US" altLang="zh-CN" sz="2400" dirty="0"/>
+          </a:p>
+          <a:p>
+            <a:r>
+              <a:rPr lang="en-US" altLang="zh-CN" sz="2400" dirty="0" err="1"/>
               <a:t>gcc</a:t>
             </a:r>
             <a:r>
-              <a:rPr lang="zh-CN" altLang="en-US" sz="2000" dirty="0"/>
+              <a:rPr lang="zh-CN" altLang="en-US" sz="2400" dirty="0"/>
               <a:t>在编译</a:t>
             </a:r>
             <a:r>
-              <a:rPr lang="en-US" altLang="zh-CN" sz="2000" dirty="0"/>
+              <a:rPr lang="en-US" altLang="zh-CN" sz="2400" dirty="0"/>
               <a:t>C</a:t>
             </a:r>
             <a:r>
-              <a:rPr lang="zh-CN" altLang="en-US" sz="2000" dirty="0"/>
+              <a:rPr lang="zh-CN" altLang="en-US" sz="2400" dirty="0"/>
               <a:t>语言代码的时候要用到</a:t>
             </a:r>
             <a:r>
-              <a:rPr lang="en-US" altLang="zh-CN" sz="2000" dirty="0" err="1"/>
+              <a:rPr lang="en-US" altLang="zh-CN" sz="2400" dirty="0" err="1"/>
               <a:t>glibc</a:t>
             </a:r>
             <a:r>
-              <a:rPr lang="zh-CN" altLang="en-US" sz="2000" dirty="0"/>
+              <a:rPr lang="zh-CN" altLang="en-US" sz="2400" dirty="0"/>
               <a:t>。</a:t>
             </a:r>
-            <a:endParaRPr lang="en-US" altLang="zh-CN" sz="2000" dirty="0"/>
+            <a:endParaRPr lang="en-US" altLang="zh-CN" sz="2400" dirty="0"/>
           </a:p>
         </p:txBody>
       </p:sp>
